--- a/class_8_cjc/homework/layout-scratch-web.pptx
+++ b/class_8_cjc/homework/layout-scratch-web.pptx
@@ -6,6 +6,7 @@
   </p:sldMasterIdLst>
   <p:sldIdLst>
     <p:sldId id="256" r:id="rId2"/>
+    <p:sldId id="257" r:id="rId3"/>
   </p:sldIdLst>
   <p:sldSz cx="6858000" cy="9144000" type="letter"/>
   <p:notesSz cx="6858000" cy="9144000"/>
@@ -288,7 +289,7 @@
           <a:p>
             <a:fld id="{7F600E99-6294-354B-9DEE-2AF6B5DB9122}" type="datetimeFigureOut">
               <a:rPr lang="en-US" smtClean="0"/>
-              <a:t>4/9/14</a:t>
+              <a:t>4/10/14</a:t>
             </a:fld>
             <a:endParaRPr lang="en-US"/>
           </a:p>
@@ -458,7 +459,7 @@
           <a:p>
             <a:fld id="{7F600E99-6294-354B-9DEE-2AF6B5DB9122}" type="datetimeFigureOut">
               <a:rPr lang="en-US" smtClean="0"/>
-              <a:t>4/9/14</a:t>
+              <a:t>4/10/14</a:t>
             </a:fld>
             <a:endParaRPr lang="en-US"/>
           </a:p>
@@ -638,7 +639,7 @@
           <a:p>
             <a:fld id="{7F600E99-6294-354B-9DEE-2AF6B5DB9122}" type="datetimeFigureOut">
               <a:rPr lang="en-US" smtClean="0"/>
-              <a:t>4/9/14</a:t>
+              <a:t>4/10/14</a:t>
             </a:fld>
             <a:endParaRPr lang="en-US"/>
           </a:p>
@@ -808,7 +809,7 @@
           <a:p>
             <a:fld id="{7F600E99-6294-354B-9DEE-2AF6B5DB9122}" type="datetimeFigureOut">
               <a:rPr lang="en-US" smtClean="0"/>
-              <a:t>4/9/14</a:t>
+              <a:t>4/10/14</a:t>
             </a:fld>
             <a:endParaRPr lang="en-US"/>
           </a:p>
@@ -1054,7 +1055,7 @@
           <a:p>
             <a:fld id="{7F600E99-6294-354B-9DEE-2AF6B5DB9122}" type="datetimeFigureOut">
               <a:rPr lang="en-US" smtClean="0"/>
-              <a:t>4/9/14</a:t>
+              <a:t>4/10/14</a:t>
             </a:fld>
             <a:endParaRPr lang="en-US"/>
           </a:p>
@@ -1342,7 +1343,7 @@
           <a:p>
             <a:fld id="{7F600E99-6294-354B-9DEE-2AF6B5DB9122}" type="datetimeFigureOut">
               <a:rPr lang="en-US" smtClean="0"/>
-              <a:t>4/9/14</a:t>
+              <a:t>4/10/14</a:t>
             </a:fld>
             <a:endParaRPr lang="en-US"/>
           </a:p>
@@ -1769,7 +1770,7 @@
           <a:p>
             <a:fld id="{7F600E99-6294-354B-9DEE-2AF6B5DB9122}" type="datetimeFigureOut">
               <a:rPr lang="en-US" smtClean="0"/>
-              <a:t>4/9/14</a:t>
+              <a:t>4/10/14</a:t>
             </a:fld>
             <a:endParaRPr lang="en-US"/>
           </a:p>
@@ -1887,7 +1888,7 @@
           <a:p>
             <a:fld id="{7F600E99-6294-354B-9DEE-2AF6B5DB9122}" type="datetimeFigureOut">
               <a:rPr lang="en-US" smtClean="0"/>
-              <a:t>4/9/14</a:t>
+              <a:t>4/10/14</a:t>
             </a:fld>
             <a:endParaRPr lang="en-US"/>
           </a:p>
@@ -1982,7 +1983,7 @@
           <a:p>
             <a:fld id="{7F600E99-6294-354B-9DEE-2AF6B5DB9122}" type="datetimeFigureOut">
               <a:rPr lang="en-US" smtClean="0"/>
-              <a:t>4/9/14</a:t>
+              <a:t>4/10/14</a:t>
             </a:fld>
             <a:endParaRPr lang="en-US"/>
           </a:p>
@@ -2259,7 +2260,7 @@
           <a:p>
             <a:fld id="{7F600E99-6294-354B-9DEE-2AF6B5DB9122}" type="datetimeFigureOut">
               <a:rPr lang="en-US" smtClean="0"/>
-              <a:t>4/9/14</a:t>
+              <a:t>4/10/14</a:t>
             </a:fld>
             <a:endParaRPr lang="en-US"/>
           </a:p>
@@ -2512,7 +2513,7 @@
           <a:p>
             <a:fld id="{7F600E99-6294-354B-9DEE-2AF6B5DB9122}" type="datetimeFigureOut">
               <a:rPr lang="en-US" smtClean="0"/>
-              <a:t>4/9/14</a:t>
+              <a:t>4/10/14</a:t>
             </a:fld>
             <a:endParaRPr lang="en-US"/>
           </a:p>
@@ -2725,7 +2726,7 @@
           <a:p>
             <a:fld id="{7F600E99-6294-354B-9DEE-2AF6B5DB9122}" type="datetimeFigureOut">
               <a:rPr lang="en-US" smtClean="0"/>
-              <a:t>4/9/14</a:t>
+              <a:t>4/10/14</a:t>
             </a:fld>
             <a:endParaRPr lang="en-US"/>
           </a:p>
@@ -3102,6 +3103,44 @@
       </p:grpSpPr>
       <p:sp>
         <p:nvSpPr>
+          <p:cNvPr id="2" name="Oval 1"/>
+          <p:cNvSpPr/>
+          <p:nvPr/>
+        </p:nvSpPr>
+        <p:spPr>
+          <a:xfrm>
+            <a:off x="-990600" y="0"/>
+            <a:ext cx="9194800" cy="596900"/>
+          </a:xfrm>
+          <a:prstGeom prst="ellipse">
+            <a:avLst/>
+          </a:prstGeom>
+        </p:spPr>
+        <p:style>
+          <a:lnRef idx="3">
+            <a:schemeClr val="lt1"/>
+          </a:lnRef>
+          <a:fillRef idx="1">
+            <a:schemeClr val="accent6"/>
+          </a:fillRef>
+          <a:effectRef idx="1">
+            <a:schemeClr val="accent6"/>
+          </a:effectRef>
+          <a:fontRef idx="minor">
+            <a:schemeClr val="lt1"/>
+          </a:fontRef>
+        </p:style>
+        <p:txBody>
+          <a:bodyPr rtlCol="0" anchor="ctr"/>
+          <a:lstStyle/>
+          <a:p>
+            <a:pPr algn="ctr"/>
+            <a:endParaRPr lang="en-US"/>
+          </a:p>
+        </p:txBody>
+      </p:sp>
+      <p:sp>
+        <p:nvSpPr>
           <p:cNvPr id="4" name="Rectangle 3"/>
           <p:cNvSpPr/>
           <p:nvPr/>
@@ -3109,7 +3148,7 @@
         <p:spPr>
           <a:xfrm>
             <a:off x="0" y="0"/>
-            <a:ext cx="6858000" cy="872132"/>
+            <a:ext cx="6858000" cy="443716"/>
           </a:xfrm>
           <a:prstGeom prst="rect">
             <a:avLst/>
@@ -3149,7 +3188,7 @@
         <p:spPr>
           <a:xfrm>
             <a:off x="0" y="0"/>
-            <a:ext cx="1009767" cy="872132"/>
+            <a:ext cx="1009767" cy="443716"/>
           </a:xfrm>
           <a:prstGeom prst="rect">
             <a:avLst/>
@@ -3176,7 +3215,7 @@
             <a:pPr algn="ctr"/>
             <a:r>
               <a:rPr lang="en-US" dirty="0" smtClean="0"/>
-              <a:t>SHJ</a:t>
+              <a:t>Home</a:t>
             </a:r>
             <a:endParaRPr lang="en-US" dirty="0"/>
           </a:p>
@@ -3191,7 +3230,7 @@
         <p:spPr>
           <a:xfrm>
             <a:off x="1009767" y="0"/>
-            <a:ext cx="1178061" cy="872132"/>
+            <a:ext cx="1178061" cy="443716"/>
           </a:xfrm>
           <a:prstGeom prst="rect">
             <a:avLst/>
@@ -3233,7 +3272,7 @@
         <p:spPr>
           <a:xfrm>
             <a:off x="2187828" y="0"/>
-            <a:ext cx="963869" cy="872132"/>
+            <a:ext cx="963869" cy="443716"/>
           </a:xfrm>
           <a:prstGeom prst="rect">
             <a:avLst/>
@@ -3275,7 +3314,7 @@
         <p:spPr>
           <a:xfrm>
             <a:off x="3151698" y="0"/>
-            <a:ext cx="1269858" cy="872132"/>
+            <a:ext cx="1269858" cy="443716"/>
           </a:xfrm>
           <a:prstGeom prst="rect">
             <a:avLst/>
@@ -3317,7 +3356,7 @@
         <p:spPr>
           <a:xfrm>
             <a:off x="4421556" y="0"/>
-            <a:ext cx="1243084" cy="872132"/>
+            <a:ext cx="1243084" cy="443716"/>
           </a:xfrm>
           <a:prstGeom prst="rect">
             <a:avLst/>
@@ -3359,7 +3398,7 @@
         <p:spPr>
           <a:xfrm>
             <a:off x="5664640" y="0"/>
-            <a:ext cx="1193360" cy="872132"/>
+            <a:ext cx="1193360" cy="443716"/>
           </a:xfrm>
           <a:prstGeom prst="rect">
             <a:avLst/>
@@ -3414,7 +3453,7 @@
         </p:blipFill>
         <p:spPr>
           <a:xfrm>
-            <a:off x="0" y="872132"/>
+            <a:off x="0" y="703821"/>
             <a:ext cx="6858000" cy="3203972"/>
           </a:xfrm>
           <a:prstGeom prst="rect">
@@ -3481,7 +3520,7 @@
         </p:nvSpPr>
         <p:spPr>
           <a:xfrm>
-            <a:off x="1285158" y="3029511"/>
+            <a:off x="841473" y="3029511"/>
             <a:ext cx="1545249" cy="612023"/>
           </a:xfrm>
           <a:prstGeom prst="rect">
@@ -3523,7 +3562,7 @@
         </p:nvSpPr>
         <p:spPr>
           <a:xfrm>
-            <a:off x="3886073" y="3029511"/>
+            <a:off x="4421556" y="3029510"/>
             <a:ext cx="1484051" cy="612023"/>
           </a:xfrm>
           <a:prstGeom prst="rect">
@@ -3557,10 +3596,1445 @@
           </a:p>
         </p:txBody>
       </p:sp>
+      <p:sp>
+        <p:nvSpPr>
+          <p:cNvPr id="14" name="Rectangle 13"/>
+          <p:cNvSpPr/>
+          <p:nvPr/>
+        </p:nvSpPr>
+        <p:spPr>
+          <a:xfrm>
+            <a:off x="2830407" y="3029510"/>
+            <a:ext cx="1269858" cy="612023"/>
+          </a:xfrm>
+          <a:prstGeom prst="rect">
+            <a:avLst/>
+          </a:prstGeom>
+        </p:spPr>
+        <p:style>
+          <a:lnRef idx="1">
+            <a:schemeClr val="accent1"/>
+          </a:lnRef>
+          <a:fillRef idx="3">
+            <a:schemeClr val="accent1"/>
+          </a:fillRef>
+          <a:effectRef idx="2">
+            <a:schemeClr val="accent1"/>
+          </a:effectRef>
+          <a:fontRef idx="minor">
+            <a:schemeClr val="lt1"/>
+          </a:fontRef>
+        </p:style>
+        <p:txBody>
+          <a:bodyPr rtlCol="0" anchor="ctr"/>
+          <a:lstStyle/>
+          <a:p>
+            <a:pPr algn="ctr"/>
+            <a:r>
+              <a:rPr lang="en-US" dirty="0" smtClean="0"/>
+              <a:t>TRAINING</a:t>
+            </a:r>
+            <a:endParaRPr lang="en-US" dirty="0"/>
+          </a:p>
+        </p:txBody>
+      </p:sp>
+      <p:sp>
+        <p:nvSpPr>
+          <p:cNvPr id="3" name="TextBox 2"/>
+          <p:cNvSpPr txBox="1"/>
+          <p:nvPr/>
+        </p:nvSpPr>
+        <p:spPr>
+          <a:xfrm>
+            <a:off x="-2971800" y="214868"/>
+            <a:ext cx="1612900" cy="923330"/>
+          </a:xfrm>
+          <a:prstGeom prst="rect">
+            <a:avLst/>
+          </a:prstGeom>
+          <a:noFill/>
+        </p:spPr>
+        <p:txBody>
+          <a:bodyPr wrap="square" rtlCol="0">
+            <a:spAutoFit/>
+          </a:bodyPr>
+          <a:lstStyle/>
+          <a:p>
+            <a:r>
+              <a:rPr lang="en-US" dirty="0" smtClean="0">
+                <a:sym typeface="Wingdings"/>
+              </a:rPr>
+              <a:t></a:t>
+            </a:r>
+            <a:r>
+              <a:rPr lang="en-US" dirty="0" smtClean="0"/>
+              <a:t>Index Layout--- </a:t>
+            </a:r>
+            <a:r>
+              <a:rPr lang="en-US" dirty="0" err="1" smtClean="0"/>
+              <a:t>index.erb</a:t>
+            </a:r>
+            <a:r>
+              <a:rPr lang="en-US" dirty="0" smtClean="0"/>
+              <a:t> file</a:t>
+            </a:r>
+            <a:endParaRPr lang="en-US" dirty="0"/>
+          </a:p>
+        </p:txBody>
+      </p:sp>
     </p:spTree>
     <p:extLst>
       <p:ext uri="{BB962C8B-B14F-4D97-AF65-F5344CB8AC3E}">
         <p14:creationId xmlns:p14="http://schemas.microsoft.com/office/powerpoint/2010/main" val="3297025008"/>
+      </p:ext>
+    </p:extLst>
+  </p:cSld>
+  <p:clrMapOvr>
+    <a:masterClrMapping/>
+  </p:clrMapOvr>
+</p:sld>
+</file>
+
+<file path=ppt/slides/slide2.xml><?xml version="1.0" encoding="utf-8"?>
+<p:sld xmlns:a="http://schemas.openxmlformats.org/drawingml/2006/main" xmlns:r="http://schemas.openxmlformats.org/officeDocument/2006/relationships" xmlns:p="http://schemas.openxmlformats.org/presentationml/2006/main">
+  <p:cSld>
+    <p:spTree>
+      <p:nvGrpSpPr>
+        <p:cNvPr id="1" name=""/>
+        <p:cNvGrpSpPr/>
+        <p:nvPr/>
+      </p:nvGrpSpPr>
+      <p:grpSpPr>
+        <a:xfrm>
+          <a:off x="0" y="0"/>
+          <a:ext cx="0" cy="0"/>
+          <a:chOff x="0" y="0"/>
+          <a:chExt cx="0" cy="0"/>
+        </a:xfrm>
+      </p:grpSpPr>
+      <p:sp>
+        <p:nvSpPr>
+          <p:cNvPr id="44" name="Oval 43"/>
+          <p:cNvSpPr/>
+          <p:nvPr/>
+        </p:nvSpPr>
+        <p:spPr>
+          <a:xfrm>
+            <a:off x="-317500" y="1003300"/>
+            <a:ext cx="4739056" cy="8813800"/>
+          </a:xfrm>
+          <a:prstGeom prst="ellipse">
+            <a:avLst/>
+          </a:prstGeom>
+        </p:spPr>
+        <p:style>
+          <a:lnRef idx="1">
+            <a:schemeClr val="accent6"/>
+          </a:lnRef>
+          <a:fillRef idx="3">
+            <a:schemeClr val="accent6"/>
+          </a:fillRef>
+          <a:effectRef idx="2">
+            <a:schemeClr val="accent6"/>
+          </a:effectRef>
+          <a:fontRef idx="minor">
+            <a:schemeClr val="lt1"/>
+          </a:fontRef>
+        </p:style>
+        <p:txBody>
+          <a:bodyPr rtlCol="0" anchor="ctr"/>
+          <a:lstStyle/>
+          <a:p>
+            <a:pPr algn="ctr"/>
+            <a:endParaRPr lang="en-US"/>
+          </a:p>
+        </p:txBody>
+      </p:sp>
+      <p:sp>
+        <p:nvSpPr>
+          <p:cNvPr id="43" name="Oval 42"/>
+          <p:cNvSpPr/>
+          <p:nvPr/>
+        </p:nvSpPr>
+        <p:spPr>
+          <a:xfrm>
+            <a:off x="3953824" y="832366"/>
+            <a:ext cx="3149600" cy="8311634"/>
+          </a:xfrm>
+          <a:prstGeom prst="ellipse">
+            <a:avLst/>
+          </a:prstGeom>
+        </p:spPr>
+        <p:style>
+          <a:lnRef idx="1">
+            <a:schemeClr val="accent6"/>
+          </a:lnRef>
+          <a:fillRef idx="3">
+            <a:schemeClr val="accent6"/>
+          </a:fillRef>
+          <a:effectRef idx="2">
+            <a:schemeClr val="accent6"/>
+          </a:effectRef>
+          <a:fontRef idx="minor">
+            <a:schemeClr val="lt1"/>
+          </a:fontRef>
+        </p:style>
+        <p:txBody>
+          <a:bodyPr rtlCol="0" anchor="ctr"/>
+          <a:lstStyle/>
+          <a:p>
+            <a:pPr algn="ctr"/>
+            <a:endParaRPr lang="en-US"/>
+          </a:p>
+        </p:txBody>
+      </p:sp>
+      <p:sp>
+        <p:nvSpPr>
+          <p:cNvPr id="41" name="Oval 40"/>
+          <p:cNvSpPr/>
+          <p:nvPr/>
+        </p:nvSpPr>
+        <p:spPr>
+          <a:xfrm>
+            <a:off x="-990600" y="0"/>
+            <a:ext cx="9194800" cy="596900"/>
+          </a:xfrm>
+          <a:prstGeom prst="ellipse">
+            <a:avLst/>
+          </a:prstGeom>
+        </p:spPr>
+        <p:style>
+          <a:lnRef idx="3">
+            <a:schemeClr val="lt1"/>
+          </a:lnRef>
+          <a:fillRef idx="1">
+            <a:schemeClr val="accent6"/>
+          </a:fillRef>
+          <a:effectRef idx="1">
+            <a:schemeClr val="accent6"/>
+          </a:effectRef>
+          <a:fontRef idx="minor">
+            <a:schemeClr val="lt1"/>
+          </a:fontRef>
+        </p:style>
+        <p:txBody>
+          <a:bodyPr rtlCol="0" anchor="ctr"/>
+          <a:lstStyle/>
+          <a:p>
+            <a:pPr algn="ctr"/>
+            <a:endParaRPr lang="en-US"/>
+          </a:p>
+        </p:txBody>
+      </p:sp>
+      <p:sp>
+        <p:nvSpPr>
+          <p:cNvPr id="42" name="TextBox 41"/>
+          <p:cNvSpPr txBox="1"/>
+          <p:nvPr/>
+        </p:nvSpPr>
+        <p:spPr>
+          <a:xfrm>
+            <a:off x="-4851400" y="98126"/>
+            <a:ext cx="4991100" cy="369332"/>
+          </a:xfrm>
+          <a:prstGeom prst="rect">
+            <a:avLst/>
+          </a:prstGeom>
+          <a:noFill/>
+        </p:spPr>
+        <p:txBody>
+          <a:bodyPr wrap="square" rtlCol="0">
+            <a:spAutoFit/>
+          </a:bodyPr>
+          <a:lstStyle/>
+          <a:p>
+            <a:r>
+              <a:rPr lang="en-US" dirty="0" smtClean="0">
+                <a:sym typeface="Wingdings"/>
+              </a:rPr>
+              <a:t></a:t>
+            </a:r>
+            <a:r>
+              <a:rPr lang="en-US" dirty="0" smtClean="0"/>
+              <a:t>Index Layout--- </a:t>
+            </a:r>
+            <a:r>
+              <a:rPr lang="en-US" dirty="0" err="1" smtClean="0"/>
+              <a:t>index.erb</a:t>
+            </a:r>
+            <a:r>
+              <a:rPr lang="en-US" dirty="0" smtClean="0"/>
+              <a:t> file &lt;%= yield %&gt; only</a:t>
+            </a:r>
+            <a:endParaRPr lang="en-US" dirty="0"/>
+          </a:p>
+        </p:txBody>
+      </p:sp>
+      <p:sp>
+        <p:nvSpPr>
+          <p:cNvPr id="40" name="Rectangle 39"/>
+          <p:cNvSpPr/>
+          <p:nvPr/>
+        </p:nvSpPr>
+        <p:spPr>
+          <a:xfrm>
+            <a:off x="0" y="2516690"/>
+            <a:ext cx="4085936" cy="5281110"/>
+          </a:xfrm>
+          <a:prstGeom prst="rect">
+            <a:avLst/>
+          </a:prstGeom>
+        </p:spPr>
+        <p:style>
+          <a:lnRef idx="1">
+            <a:schemeClr val="accent1"/>
+          </a:lnRef>
+          <a:fillRef idx="2">
+            <a:schemeClr val="accent1"/>
+          </a:fillRef>
+          <a:effectRef idx="1">
+            <a:schemeClr val="accent1"/>
+          </a:effectRef>
+          <a:fontRef idx="minor">
+            <a:schemeClr val="dk1"/>
+          </a:fontRef>
+        </p:style>
+        <p:txBody>
+          <a:bodyPr rtlCol="0" anchor="ctr"/>
+          <a:lstStyle/>
+          <a:p>
+            <a:pPr algn="ctr"/>
+            <a:r>
+              <a:rPr lang="en-US" dirty="0" smtClean="0"/>
+              <a:t>Job Body!</a:t>
+            </a:r>
+            <a:endParaRPr lang="en-US" dirty="0"/>
+          </a:p>
+        </p:txBody>
+      </p:sp>
+      <p:sp>
+        <p:nvSpPr>
+          <p:cNvPr id="24" name="Rectangle 23"/>
+          <p:cNvSpPr/>
+          <p:nvPr/>
+        </p:nvSpPr>
+        <p:spPr>
+          <a:xfrm>
+            <a:off x="0" y="1593360"/>
+            <a:ext cx="4085936" cy="923330"/>
+          </a:xfrm>
+          <a:prstGeom prst="rect">
+            <a:avLst/>
+          </a:prstGeom>
+        </p:spPr>
+        <p:style>
+          <a:lnRef idx="1">
+            <a:schemeClr val="accent1"/>
+          </a:lnRef>
+          <a:fillRef idx="3">
+            <a:schemeClr val="accent1"/>
+          </a:fillRef>
+          <a:effectRef idx="2">
+            <a:schemeClr val="accent1"/>
+          </a:effectRef>
+          <a:fontRef idx="minor">
+            <a:schemeClr val="lt1"/>
+          </a:fontRef>
+        </p:style>
+        <p:txBody>
+          <a:bodyPr rtlCol="0" anchor="ctr"/>
+          <a:lstStyle/>
+          <a:p>
+            <a:pPr algn="ctr"/>
+            <a:r>
+              <a:rPr lang="en-US" dirty="0" smtClean="0"/>
+              <a:t>x1</a:t>
+            </a:r>
+            <a:endParaRPr lang="en-US" dirty="0"/>
+          </a:p>
+        </p:txBody>
+      </p:sp>
+      <p:sp>
+        <p:nvSpPr>
+          <p:cNvPr id="4" name="Rectangle 3"/>
+          <p:cNvSpPr/>
+          <p:nvPr/>
+        </p:nvSpPr>
+        <p:spPr>
+          <a:xfrm>
+            <a:off x="0" y="0"/>
+            <a:ext cx="6858000" cy="581421"/>
+          </a:xfrm>
+          <a:prstGeom prst="rect">
+            <a:avLst/>
+          </a:prstGeom>
+        </p:spPr>
+        <p:style>
+          <a:lnRef idx="2">
+            <a:schemeClr val="accent3">
+              <a:shade val="50000"/>
+            </a:schemeClr>
+          </a:lnRef>
+          <a:fillRef idx="1">
+            <a:schemeClr val="accent3"/>
+          </a:fillRef>
+          <a:effectRef idx="0">
+            <a:schemeClr val="accent3"/>
+          </a:effectRef>
+          <a:fontRef idx="minor">
+            <a:schemeClr val="lt1"/>
+          </a:fontRef>
+        </p:style>
+        <p:txBody>
+          <a:bodyPr rtlCol="0" anchor="ctr"/>
+          <a:lstStyle/>
+          <a:p>
+            <a:pPr algn="ctr"/>
+            <a:endParaRPr lang="en-US"/>
+          </a:p>
+        </p:txBody>
+      </p:sp>
+      <p:sp>
+        <p:nvSpPr>
+          <p:cNvPr id="6" name="Rectangle 5"/>
+          <p:cNvSpPr/>
+          <p:nvPr/>
+        </p:nvSpPr>
+        <p:spPr>
+          <a:xfrm>
+            <a:off x="0" y="0"/>
+            <a:ext cx="1009767" cy="581421"/>
+          </a:xfrm>
+          <a:prstGeom prst="rect">
+            <a:avLst/>
+          </a:prstGeom>
+        </p:spPr>
+        <p:style>
+          <a:lnRef idx="1">
+            <a:schemeClr val="accent1"/>
+          </a:lnRef>
+          <a:fillRef idx="3">
+            <a:schemeClr val="accent1"/>
+          </a:fillRef>
+          <a:effectRef idx="2">
+            <a:schemeClr val="accent1"/>
+          </a:effectRef>
+          <a:fontRef idx="minor">
+            <a:schemeClr val="lt1"/>
+          </a:fontRef>
+        </p:style>
+        <p:txBody>
+          <a:bodyPr rtlCol="0" anchor="ctr"/>
+          <a:lstStyle/>
+          <a:p>
+            <a:pPr algn="ctr"/>
+            <a:r>
+              <a:rPr lang="en-US" dirty="0">
+                <a:solidFill>
+                  <a:schemeClr val="lt1"/>
+                </a:solidFill>
+              </a:rPr>
+              <a:t>Home</a:t>
+            </a:r>
+            <a:endParaRPr lang="en-US" dirty="0">
+              <a:solidFill>
+                <a:schemeClr val="lt1"/>
+              </a:solidFill>
+            </a:endParaRPr>
+          </a:p>
+        </p:txBody>
+      </p:sp>
+      <p:sp>
+        <p:nvSpPr>
+          <p:cNvPr id="7" name="Rectangle 6"/>
+          <p:cNvSpPr/>
+          <p:nvPr/>
+        </p:nvSpPr>
+        <p:spPr>
+          <a:xfrm>
+            <a:off x="1009767" y="0"/>
+            <a:ext cx="1178061" cy="581421"/>
+          </a:xfrm>
+          <a:prstGeom prst="rect">
+            <a:avLst/>
+          </a:prstGeom>
+        </p:spPr>
+        <p:style>
+          <a:lnRef idx="1">
+            <a:schemeClr val="accent1"/>
+          </a:lnRef>
+          <a:fillRef idx="2">
+            <a:schemeClr val="accent1"/>
+          </a:fillRef>
+          <a:effectRef idx="1">
+            <a:schemeClr val="accent1"/>
+          </a:effectRef>
+          <a:fontRef idx="minor">
+            <a:schemeClr val="dk1"/>
+          </a:fontRef>
+        </p:style>
+        <p:txBody>
+          <a:bodyPr rtlCol="0" anchor="ctr"/>
+          <a:lstStyle/>
+          <a:p>
+            <a:pPr algn="ctr"/>
+            <a:r>
+              <a:rPr lang="en-US" dirty="0">
+                <a:solidFill>
+                  <a:schemeClr val="dk1"/>
+                </a:solidFill>
+              </a:rPr>
+              <a:t>JOBS</a:t>
+            </a:r>
+            <a:endParaRPr lang="en-US" dirty="0">
+              <a:solidFill>
+                <a:schemeClr val="dk1"/>
+              </a:solidFill>
+            </a:endParaRPr>
+          </a:p>
+        </p:txBody>
+      </p:sp>
+      <p:sp>
+        <p:nvSpPr>
+          <p:cNvPr id="8" name="Rectangle 7"/>
+          <p:cNvSpPr/>
+          <p:nvPr/>
+        </p:nvSpPr>
+        <p:spPr>
+          <a:xfrm>
+            <a:off x="2187828" y="0"/>
+            <a:ext cx="963869" cy="581421"/>
+          </a:xfrm>
+          <a:prstGeom prst="rect">
+            <a:avLst/>
+          </a:prstGeom>
+        </p:spPr>
+        <p:style>
+          <a:lnRef idx="1">
+            <a:schemeClr val="accent1"/>
+          </a:lnRef>
+          <a:fillRef idx="3">
+            <a:schemeClr val="accent1"/>
+          </a:fillRef>
+          <a:effectRef idx="2">
+            <a:schemeClr val="accent1"/>
+          </a:effectRef>
+          <a:fontRef idx="minor">
+            <a:schemeClr val="lt1"/>
+          </a:fontRef>
+        </p:style>
+        <p:txBody>
+          <a:bodyPr rtlCol="0" anchor="ctr"/>
+          <a:lstStyle/>
+          <a:p>
+            <a:pPr algn="ctr"/>
+            <a:r>
+              <a:rPr lang="en-US" dirty="0" smtClean="0"/>
+              <a:t>TALENT</a:t>
+            </a:r>
+            <a:endParaRPr lang="en-US" dirty="0"/>
+          </a:p>
+        </p:txBody>
+      </p:sp>
+      <p:sp>
+        <p:nvSpPr>
+          <p:cNvPr id="9" name="Rectangle 8"/>
+          <p:cNvSpPr/>
+          <p:nvPr/>
+        </p:nvSpPr>
+        <p:spPr>
+          <a:xfrm>
+            <a:off x="3151698" y="0"/>
+            <a:ext cx="1269858" cy="581421"/>
+          </a:xfrm>
+          <a:prstGeom prst="rect">
+            <a:avLst/>
+          </a:prstGeom>
+        </p:spPr>
+        <p:style>
+          <a:lnRef idx="1">
+            <a:schemeClr val="accent1"/>
+          </a:lnRef>
+          <a:fillRef idx="3">
+            <a:schemeClr val="accent1"/>
+          </a:fillRef>
+          <a:effectRef idx="2">
+            <a:schemeClr val="accent1"/>
+          </a:effectRef>
+          <a:fontRef idx="minor">
+            <a:schemeClr val="lt1"/>
+          </a:fontRef>
+        </p:style>
+        <p:txBody>
+          <a:bodyPr rtlCol="0" anchor="ctr"/>
+          <a:lstStyle/>
+          <a:p>
+            <a:pPr algn="ctr"/>
+            <a:r>
+              <a:rPr lang="en-US" dirty="0" smtClean="0"/>
+              <a:t>TRAINING</a:t>
+            </a:r>
+            <a:endParaRPr lang="en-US" dirty="0"/>
+          </a:p>
+        </p:txBody>
+      </p:sp>
+      <p:sp>
+        <p:nvSpPr>
+          <p:cNvPr id="11" name="Rectangle 10"/>
+          <p:cNvSpPr/>
+          <p:nvPr/>
+        </p:nvSpPr>
+        <p:spPr>
+          <a:xfrm>
+            <a:off x="4421556" y="0"/>
+            <a:ext cx="1243084" cy="581421"/>
+          </a:xfrm>
+          <a:prstGeom prst="rect">
+            <a:avLst/>
+          </a:prstGeom>
+        </p:spPr>
+        <p:style>
+          <a:lnRef idx="1">
+            <a:schemeClr val="accent1"/>
+          </a:lnRef>
+          <a:fillRef idx="3">
+            <a:schemeClr val="accent1"/>
+          </a:fillRef>
+          <a:effectRef idx="2">
+            <a:schemeClr val="accent1"/>
+          </a:effectRef>
+          <a:fontRef idx="minor">
+            <a:schemeClr val="lt1"/>
+          </a:fontRef>
+        </p:style>
+        <p:txBody>
+          <a:bodyPr rtlCol="0" anchor="ctr"/>
+          <a:lstStyle/>
+          <a:p>
+            <a:pPr algn="ctr"/>
+            <a:r>
+              <a:rPr lang="en-US" dirty="0" smtClean="0"/>
+              <a:t>SCHOOLS</a:t>
+            </a:r>
+            <a:endParaRPr lang="en-US" dirty="0"/>
+          </a:p>
+        </p:txBody>
+      </p:sp>
+      <p:sp>
+        <p:nvSpPr>
+          <p:cNvPr id="12" name="Rectangle 11"/>
+          <p:cNvSpPr/>
+          <p:nvPr/>
+        </p:nvSpPr>
+        <p:spPr>
+          <a:xfrm>
+            <a:off x="5664640" y="0"/>
+            <a:ext cx="1193360" cy="581421"/>
+          </a:xfrm>
+          <a:prstGeom prst="rect">
+            <a:avLst/>
+          </a:prstGeom>
+        </p:spPr>
+        <p:style>
+          <a:lnRef idx="1">
+            <a:schemeClr val="accent1"/>
+          </a:lnRef>
+          <a:fillRef idx="3">
+            <a:schemeClr val="accent1"/>
+          </a:fillRef>
+          <a:effectRef idx="2">
+            <a:schemeClr val="accent1"/>
+          </a:effectRef>
+          <a:fontRef idx="minor">
+            <a:schemeClr val="lt1"/>
+          </a:fontRef>
+        </p:style>
+        <p:txBody>
+          <a:bodyPr rtlCol="0" anchor="ctr"/>
+          <a:lstStyle/>
+          <a:p>
+            <a:pPr algn="ctr"/>
+            <a:r>
+              <a:rPr lang="en-US" dirty="0" smtClean="0"/>
+              <a:t>PARTNERS</a:t>
+            </a:r>
+            <a:endParaRPr lang="en-US" dirty="0"/>
+          </a:p>
+        </p:txBody>
+      </p:sp>
+      <p:sp>
+        <p:nvSpPr>
+          <p:cNvPr id="10" name="TextBox 9"/>
+          <p:cNvSpPr txBox="1"/>
+          <p:nvPr/>
+        </p:nvSpPr>
+        <p:spPr>
+          <a:xfrm>
+            <a:off x="48031" y="1801181"/>
+            <a:ext cx="726669" cy="2031325"/>
+          </a:xfrm>
+          <a:prstGeom prst="rect">
+            <a:avLst/>
+          </a:prstGeom>
+        </p:spPr>
+        <p:style>
+          <a:lnRef idx="2">
+            <a:schemeClr val="accent2">
+              <a:shade val="50000"/>
+            </a:schemeClr>
+          </a:lnRef>
+          <a:fillRef idx="1">
+            <a:schemeClr val="accent2"/>
+          </a:fillRef>
+          <a:effectRef idx="0">
+            <a:schemeClr val="accent2"/>
+          </a:effectRef>
+          <a:fontRef idx="minor">
+            <a:schemeClr val="lt1"/>
+          </a:fontRef>
+        </p:style>
+        <p:txBody>
+          <a:bodyPr wrap="square" rtlCol="0">
+            <a:spAutoFit/>
+          </a:bodyPr>
+          <a:lstStyle/>
+          <a:p>
+            <a:r>
+              <a:rPr lang="en-US" dirty="0" smtClean="0"/>
+              <a:t>Job Title</a:t>
+            </a:r>
+          </a:p>
+          <a:p>
+            <a:r>
+              <a:rPr lang="en-US" dirty="0" smtClean="0"/>
+              <a:t>Make an array of job titles</a:t>
+            </a:r>
+            <a:endParaRPr lang="en-US" dirty="0"/>
+          </a:p>
+        </p:txBody>
+      </p:sp>
+      <p:sp>
+        <p:nvSpPr>
+          <p:cNvPr id="18" name="TextBox 17"/>
+          <p:cNvSpPr txBox="1"/>
+          <p:nvPr/>
+        </p:nvSpPr>
+        <p:spPr>
+          <a:xfrm>
+            <a:off x="7139462" y="1593360"/>
+            <a:ext cx="3325338" cy="1200329"/>
+          </a:xfrm>
+          <a:prstGeom prst="rect">
+            <a:avLst/>
+          </a:prstGeom>
+          <a:noFill/>
+        </p:spPr>
+        <p:txBody>
+          <a:bodyPr wrap="square" rtlCol="0">
+            <a:spAutoFit/>
+          </a:bodyPr>
+          <a:lstStyle/>
+          <a:p>
+            <a:r>
+              <a:rPr lang="en-US" dirty="0" smtClean="0"/>
+              <a:t>COMPANY PHOTOS WILL BE 320 X 1280 ----</a:t>
+            </a:r>
+            <a:r>
+              <a:rPr lang="en-US" dirty="0"/>
+              <a:t>60 AWAY FROM </a:t>
+            </a:r>
+            <a:r>
+              <a:rPr lang="en-US" dirty="0" smtClean="0"/>
+              <a:t>ABSOLUTE TOP ADJUSTED RIGHT TO CONTAINER</a:t>
+            </a:r>
+            <a:endParaRPr lang="en-US" dirty="0"/>
+          </a:p>
+        </p:txBody>
+      </p:sp>
+      <p:sp>
+        <p:nvSpPr>
+          <p:cNvPr id="19" name="TextBox 18"/>
+          <p:cNvSpPr txBox="1"/>
+          <p:nvPr/>
+        </p:nvSpPr>
+        <p:spPr>
+          <a:xfrm>
+            <a:off x="806450" y="1801181"/>
+            <a:ext cx="673100" cy="1200329"/>
+          </a:xfrm>
+          <a:prstGeom prst="rect">
+            <a:avLst/>
+          </a:prstGeom>
+        </p:spPr>
+        <p:style>
+          <a:lnRef idx="2">
+            <a:schemeClr val="accent2">
+              <a:shade val="50000"/>
+            </a:schemeClr>
+          </a:lnRef>
+          <a:fillRef idx="1">
+            <a:schemeClr val="accent2"/>
+          </a:fillRef>
+          <a:effectRef idx="0">
+            <a:schemeClr val="accent2"/>
+          </a:effectRef>
+          <a:fontRef idx="minor">
+            <a:schemeClr val="lt1"/>
+          </a:fontRef>
+        </p:style>
+        <p:txBody>
+          <a:bodyPr wrap="square" rtlCol="0">
+            <a:spAutoFit/>
+          </a:bodyPr>
+          <a:lstStyle/>
+          <a:p>
+            <a:r>
+              <a:rPr lang="en-US" dirty="0" smtClean="0"/>
+              <a:t>Company date faker</a:t>
+            </a:r>
+            <a:endParaRPr lang="en-US" dirty="0"/>
+          </a:p>
+        </p:txBody>
+      </p:sp>
+      <p:sp>
+        <p:nvSpPr>
+          <p:cNvPr id="20" name="TextBox 19"/>
+          <p:cNvSpPr txBox="1"/>
+          <p:nvPr/>
+        </p:nvSpPr>
+        <p:spPr>
+          <a:xfrm>
+            <a:off x="1479550" y="1801181"/>
+            <a:ext cx="834736" cy="923330"/>
+          </a:xfrm>
+          <a:prstGeom prst="rect">
+            <a:avLst/>
+          </a:prstGeom>
+        </p:spPr>
+        <p:style>
+          <a:lnRef idx="2">
+            <a:schemeClr val="accent2">
+              <a:shade val="50000"/>
+            </a:schemeClr>
+          </a:lnRef>
+          <a:fillRef idx="1">
+            <a:schemeClr val="accent2"/>
+          </a:fillRef>
+          <a:effectRef idx="0">
+            <a:schemeClr val="accent2"/>
+          </a:effectRef>
+          <a:fontRef idx="minor">
+            <a:schemeClr val="lt1"/>
+          </a:fontRef>
+        </p:style>
+        <p:txBody>
+          <a:bodyPr wrap="square" rtlCol="0">
+            <a:spAutoFit/>
+          </a:bodyPr>
+          <a:lstStyle/>
+          <a:p>
+            <a:r>
+              <a:rPr lang="en-US" dirty="0" smtClean="0"/>
+              <a:t>Location City faker</a:t>
+            </a:r>
+            <a:endParaRPr lang="en-US" dirty="0"/>
+          </a:p>
+        </p:txBody>
+      </p:sp>
+      <p:sp>
+        <p:nvSpPr>
+          <p:cNvPr id="21" name="TextBox 20"/>
+          <p:cNvSpPr txBox="1"/>
+          <p:nvPr/>
+        </p:nvSpPr>
+        <p:spPr>
+          <a:xfrm>
+            <a:off x="3365500" y="1801181"/>
+            <a:ext cx="720436" cy="1477328"/>
+          </a:xfrm>
+          <a:prstGeom prst="rect">
+            <a:avLst/>
+          </a:prstGeom>
+        </p:spPr>
+        <p:style>
+          <a:lnRef idx="2">
+            <a:schemeClr val="accent2">
+              <a:shade val="50000"/>
+            </a:schemeClr>
+          </a:lnRef>
+          <a:fillRef idx="1">
+            <a:schemeClr val="accent2"/>
+          </a:fillRef>
+          <a:effectRef idx="0">
+            <a:schemeClr val="accent2"/>
+          </a:effectRef>
+          <a:fontRef idx="minor">
+            <a:schemeClr val="lt1"/>
+          </a:fontRef>
+        </p:style>
+        <p:txBody>
+          <a:bodyPr wrap="square" rtlCol="0">
+            <a:spAutoFit/>
+          </a:bodyPr>
+          <a:lstStyle/>
+          <a:p>
+            <a:r>
+              <a:rPr lang="en-US" dirty="0" smtClean="0"/>
+              <a:t>Date Posted date faker</a:t>
+            </a:r>
+            <a:endParaRPr lang="en-US" dirty="0"/>
+          </a:p>
+        </p:txBody>
+      </p:sp>
+      <p:sp>
+        <p:nvSpPr>
+          <p:cNvPr id="25" name="Rectangle 24"/>
+          <p:cNvSpPr/>
+          <p:nvPr/>
+        </p:nvSpPr>
+        <p:spPr>
+          <a:xfrm>
+            <a:off x="4421556" y="1397000"/>
+            <a:ext cx="2271344" cy="6883400"/>
+          </a:xfrm>
+          <a:prstGeom prst="rect">
+            <a:avLst/>
+          </a:prstGeom>
+        </p:spPr>
+        <p:style>
+          <a:lnRef idx="1">
+            <a:schemeClr val="accent1"/>
+          </a:lnRef>
+          <a:fillRef idx="3">
+            <a:schemeClr val="accent1"/>
+          </a:fillRef>
+          <a:effectRef idx="2">
+            <a:schemeClr val="accent1"/>
+          </a:effectRef>
+          <a:fontRef idx="minor">
+            <a:schemeClr val="lt1"/>
+          </a:fontRef>
+        </p:style>
+        <p:txBody>
+          <a:bodyPr rtlCol="0" anchor="ctr"/>
+          <a:lstStyle/>
+          <a:p>
+            <a:pPr algn="ctr"/>
+            <a:endParaRPr lang="en-US"/>
+          </a:p>
+        </p:txBody>
+      </p:sp>
+      <p:sp>
+        <p:nvSpPr>
+          <p:cNvPr id="26" name="TextBox 25"/>
+          <p:cNvSpPr txBox="1"/>
+          <p:nvPr/>
+        </p:nvSpPr>
+        <p:spPr>
+          <a:xfrm>
+            <a:off x="4495800" y="750669"/>
+            <a:ext cx="2362200" cy="646331"/>
+          </a:xfrm>
+          <a:prstGeom prst="rect">
+            <a:avLst/>
+          </a:prstGeom>
+          <a:noFill/>
+        </p:spPr>
+        <p:txBody>
+          <a:bodyPr wrap="square" rtlCol="0">
+            <a:spAutoFit/>
+          </a:bodyPr>
+          <a:lstStyle/>
+          <a:p>
+            <a:r>
+              <a:rPr lang="en-US" dirty="0" smtClean="0"/>
+              <a:t>Rotating Company </a:t>
+            </a:r>
+            <a:r>
+              <a:rPr lang="en-US" dirty="0" err="1" smtClean="0"/>
+              <a:t>pics</a:t>
+            </a:r>
+            <a:r>
+              <a:rPr lang="en-US" dirty="0" smtClean="0"/>
+              <a:t> from Spacewalk</a:t>
+            </a:r>
+            <a:endParaRPr lang="en-US" dirty="0"/>
+          </a:p>
+        </p:txBody>
+      </p:sp>
+      <p:sp>
+        <p:nvSpPr>
+          <p:cNvPr id="27" name="Rounded Rectangle 26"/>
+          <p:cNvSpPr/>
+          <p:nvPr/>
+        </p:nvSpPr>
+        <p:spPr>
+          <a:xfrm>
+            <a:off x="4648200" y="1600200"/>
+            <a:ext cx="1778000" cy="1416540"/>
+          </a:xfrm>
+          <a:prstGeom prst="roundRect">
+            <a:avLst/>
+          </a:prstGeom>
+        </p:spPr>
+        <p:style>
+          <a:lnRef idx="1">
+            <a:schemeClr val="accent1"/>
+          </a:lnRef>
+          <a:fillRef idx="3">
+            <a:schemeClr val="accent1"/>
+          </a:fillRef>
+          <a:effectRef idx="2">
+            <a:schemeClr val="accent1"/>
+          </a:effectRef>
+          <a:fontRef idx="minor">
+            <a:schemeClr val="lt1"/>
+          </a:fontRef>
+        </p:style>
+        <p:txBody>
+          <a:bodyPr rtlCol="0" anchor="ctr"/>
+          <a:lstStyle/>
+          <a:p>
+            <a:pPr algn="ctr"/>
+            <a:r>
+              <a:rPr lang="en-US" dirty="0" smtClean="0"/>
+              <a:t>326</a:t>
+            </a:r>
+            <a:endParaRPr lang="en-US" dirty="0"/>
+          </a:p>
+        </p:txBody>
+      </p:sp>
+      <p:sp>
+        <p:nvSpPr>
+          <p:cNvPr id="28" name="Rounded Rectangle 27"/>
+          <p:cNvSpPr/>
+          <p:nvPr/>
+        </p:nvSpPr>
+        <p:spPr>
+          <a:xfrm>
+            <a:off x="4648200" y="3429000"/>
+            <a:ext cx="1778000" cy="1416540"/>
+          </a:xfrm>
+          <a:prstGeom prst="roundRect">
+            <a:avLst/>
+          </a:prstGeom>
+        </p:spPr>
+        <p:style>
+          <a:lnRef idx="1">
+            <a:schemeClr val="accent1"/>
+          </a:lnRef>
+          <a:fillRef idx="3">
+            <a:schemeClr val="accent1"/>
+          </a:fillRef>
+          <a:effectRef idx="2">
+            <a:schemeClr val="accent1"/>
+          </a:effectRef>
+          <a:fontRef idx="minor">
+            <a:schemeClr val="lt1"/>
+          </a:fontRef>
+        </p:style>
+        <p:txBody>
+          <a:bodyPr rtlCol="0" anchor="ctr"/>
+          <a:lstStyle/>
+          <a:p>
+            <a:pPr algn="ctr"/>
+            <a:r>
+              <a:rPr lang="en-US" dirty="0" smtClean="0"/>
+              <a:t>326</a:t>
+            </a:r>
+            <a:endParaRPr lang="en-US" dirty="0"/>
+          </a:p>
+        </p:txBody>
+      </p:sp>
+      <p:sp>
+        <p:nvSpPr>
+          <p:cNvPr id="29" name="Rounded Rectangle 28"/>
+          <p:cNvSpPr/>
+          <p:nvPr/>
+        </p:nvSpPr>
+        <p:spPr>
+          <a:xfrm>
+            <a:off x="4648200" y="5410200"/>
+            <a:ext cx="1778000" cy="1416540"/>
+          </a:xfrm>
+          <a:prstGeom prst="roundRect">
+            <a:avLst/>
+          </a:prstGeom>
+        </p:spPr>
+        <p:style>
+          <a:lnRef idx="1">
+            <a:schemeClr val="accent1"/>
+          </a:lnRef>
+          <a:fillRef idx="3">
+            <a:schemeClr val="accent1"/>
+          </a:fillRef>
+          <a:effectRef idx="2">
+            <a:schemeClr val="accent1"/>
+          </a:effectRef>
+          <a:fontRef idx="minor">
+            <a:schemeClr val="lt1"/>
+          </a:fontRef>
+        </p:style>
+        <p:txBody>
+          <a:bodyPr rtlCol="0" anchor="ctr"/>
+          <a:lstStyle/>
+          <a:p>
+            <a:pPr algn="ctr"/>
+            <a:r>
+              <a:rPr lang="en-US" dirty="0" smtClean="0"/>
+              <a:t>326</a:t>
+            </a:r>
+            <a:endParaRPr lang="en-US" dirty="0"/>
+          </a:p>
+        </p:txBody>
+      </p:sp>
+      <p:sp>
+        <p:nvSpPr>
+          <p:cNvPr id="30" name="TextBox 29"/>
+          <p:cNvSpPr txBox="1"/>
+          <p:nvPr/>
+        </p:nvSpPr>
+        <p:spPr>
+          <a:xfrm>
+            <a:off x="-3737264" y="818634"/>
+            <a:ext cx="3251200" cy="369332"/>
+          </a:xfrm>
+          <a:prstGeom prst="rect">
+            <a:avLst/>
+          </a:prstGeom>
+          <a:noFill/>
+        </p:spPr>
+        <p:txBody>
+          <a:bodyPr wrap="square" rtlCol="0">
+            <a:spAutoFit/>
+          </a:bodyPr>
+          <a:lstStyle/>
+          <a:p>
+            <a:r>
+              <a:rPr lang="en-US" dirty="0" smtClean="0"/>
+              <a:t>BUTTONS WILL BE 160 X 30</a:t>
+            </a:r>
+            <a:endParaRPr lang="en-US" dirty="0"/>
+          </a:p>
+        </p:txBody>
+      </p:sp>
+      <p:sp>
+        <p:nvSpPr>
+          <p:cNvPr id="31" name="TextBox 30"/>
+          <p:cNvSpPr txBox="1"/>
+          <p:nvPr/>
+        </p:nvSpPr>
+        <p:spPr>
+          <a:xfrm>
+            <a:off x="7139462" y="184666"/>
+            <a:ext cx="3592038" cy="369332"/>
+          </a:xfrm>
+          <a:prstGeom prst="rect">
+            <a:avLst/>
+          </a:prstGeom>
+          <a:noFill/>
+        </p:spPr>
+        <p:txBody>
+          <a:bodyPr wrap="square" rtlCol="0">
+            <a:spAutoFit/>
+          </a:bodyPr>
+          <a:lstStyle/>
+          <a:p>
+            <a:r>
+              <a:rPr lang="en-US" dirty="0" smtClean="0"/>
+              <a:t>HEADER WILL BE 960 X 30</a:t>
+            </a:r>
+            <a:endParaRPr lang="en-US" dirty="0"/>
+          </a:p>
+        </p:txBody>
+      </p:sp>
+      <p:sp>
+        <p:nvSpPr>
+          <p:cNvPr id="32" name="TextBox 31"/>
+          <p:cNvSpPr txBox="1"/>
+          <p:nvPr/>
+        </p:nvSpPr>
+        <p:spPr>
+          <a:xfrm>
+            <a:off x="-3695700" y="1397000"/>
+            <a:ext cx="2603500" cy="646331"/>
+          </a:xfrm>
+          <a:prstGeom prst="rect">
+            <a:avLst/>
+          </a:prstGeom>
+          <a:noFill/>
+        </p:spPr>
+        <p:txBody>
+          <a:bodyPr wrap="square" rtlCol="0">
+            <a:spAutoFit/>
+          </a:bodyPr>
+          <a:lstStyle/>
+          <a:p>
+            <a:r>
+              <a:rPr lang="en-US" dirty="0" smtClean="0"/>
+              <a:t>CONTAINER WILL BE 960 X 1280</a:t>
+            </a:r>
+            <a:endParaRPr lang="en-US" dirty="0"/>
+          </a:p>
+        </p:txBody>
+      </p:sp>
+      <p:sp>
+        <p:nvSpPr>
+          <p:cNvPr id="33" name="TextBox 32"/>
+          <p:cNvSpPr txBox="1"/>
+          <p:nvPr/>
+        </p:nvSpPr>
+        <p:spPr>
+          <a:xfrm>
+            <a:off x="-3556000" y="3016740"/>
+            <a:ext cx="3111500" cy="369332"/>
+          </a:xfrm>
+          <a:prstGeom prst="rect">
+            <a:avLst/>
+          </a:prstGeom>
+          <a:noFill/>
+        </p:spPr>
+        <p:txBody>
+          <a:bodyPr wrap="square" rtlCol="0">
+            <a:spAutoFit/>
+          </a:bodyPr>
+          <a:lstStyle/>
+          <a:p>
+            <a:r>
+              <a:rPr lang="en-US" dirty="0" smtClean="0"/>
+              <a:t>BACKGROUND IS LIGHT BLUE</a:t>
+            </a:r>
+            <a:endParaRPr lang="en-US" dirty="0"/>
+          </a:p>
+        </p:txBody>
+      </p:sp>
+      <p:sp>
+        <p:nvSpPr>
+          <p:cNvPr id="34" name="TextBox 33"/>
+          <p:cNvSpPr txBox="1"/>
+          <p:nvPr/>
+        </p:nvSpPr>
+        <p:spPr>
+          <a:xfrm>
+            <a:off x="428336" y="1117600"/>
+            <a:ext cx="3352800" cy="646331"/>
+          </a:xfrm>
+          <a:prstGeom prst="rect">
+            <a:avLst/>
+          </a:prstGeom>
+          <a:noFill/>
+        </p:spPr>
+        <p:txBody>
+          <a:bodyPr wrap="square" rtlCol="0">
+            <a:spAutoFit/>
+          </a:bodyPr>
+          <a:lstStyle/>
+          <a:p>
+            <a:r>
+              <a:rPr lang="en-US" dirty="0" smtClean="0"/>
+              <a:t>JOB HEADER WILL BE  640 X 45   --60 AWAY FROM ABSOLUTE TOP</a:t>
+            </a:r>
+            <a:endParaRPr lang="en-US" dirty="0"/>
+          </a:p>
+        </p:txBody>
+      </p:sp>
+      <p:sp>
+        <p:nvSpPr>
+          <p:cNvPr id="35" name="TextBox 34"/>
+          <p:cNvSpPr txBox="1"/>
+          <p:nvPr/>
+        </p:nvSpPr>
+        <p:spPr>
+          <a:xfrm>
+            <a:off x="7353300" y="1003300"/>
+            <a:ext cx="2590800" cy="369332"/>
+          </a:xfrm>
+          <a:prstGeom prst="rect">
+            <a:avLst/>
+          </a:prstGeom>
+          <a:noFill/>
+        </p:spPr>
+        <p:txBody>
+          <a:bodyPr wrap="square" rtlCol="0">
+            <a:spAutoFit/>
+          </a:bodyPr>
+          <a:lstStyle/>
+          <a:p>
+            <a:r>
+              <a:rPr lang="en-US" dirty="0" smtClean="0"/>
+              <a:t>Rotating-PIC-View</a:t>
+            </a:r>
+            <a:endParaRPr lang="en-US" dirty="0"/>
+          </a:p>
+        </p:txBody>
+      </p:sp>
+      <p:sp>
+        <p:nvSpPr>
+          <p:cNvPr id="36" name="TextBox 35"/>
+          <p:cNvSpPr txBox="1"/>
+          <p:nvPr/>
+        </p:nvSpPr>
+        <p:spPr>
+          <a:xfrm>
+            <a:off x="2336800" y="1801181"/>
+            <a:ext cx="939800" cy="923330"/>
+          </a:xfrm>
+          <a:prstGeom prst="rect">
+            <a:avLst/>
+          </a:prstGeom>
+        </p:spPr>
+        <p:style>
+          <a:lnRef idx="2">
+            <a:schemeClr val="accent2">
+              <a:shade val="50000"/>
+            </a:schemeClr>
+          </a:lnRef>
+          <a:fillRef idx="1">
+            <a:schemeClr val="accent2"/>
+          </a:fillRef>
+          <a:effectRef idx="0">
+            <a:schemeClr val="accent2"/>
+          </a:effectRef>
+          <a:fontRef idx="minor">
+            <a:schemeClr val="lt1"/>
+          </a:fontRef>
+        </p:style>
+        <p:txBody>
+          <a:bodyPr wrap="square" rtlCol="0">
+            <a:spAutoFit/>
+          </a:bodyPr>
+          <a:lstStyle/>
+          <a:p>
+            <a:r>
+              <a:rPr lang="en-US" dirty="0" smtClean="0"/>
+              <a:t>Phone </a:t>
+            </a:r>
+            <a:r>
+              <a:rPr lang="en-US" dirty="0" err="1" smtClean="0"/>
+              <a:t>numberfaker</a:t>
+            </a:r>
+            <a:endParaRPr lang="en-US" dirty="0"/>
+          </a:p>
+        </p:txBody>
+      </p:sp>
+      <p:sp>
+        <p:nvSpPr>
+          <p:cNvPr id="37" name="TextBox 36"/>
+          <p:cNvSpPr txBox="1"/>
+          <p:nvPr/>
+        </p:nvSpPr>
+        <p:spPr>
+          <a:xfrm>
+            <a:off x="1617712" y="3001510"/>
+            <a:ext cx="1533985" cy="1200329"/>
+          </a:xfrm>
+          <a:prstGeom prst="rect">
+            <a:avLst/>
+          </a:prstGeom>
+          <a:noFill/>
+        </p:spPr>
+        <p:txBody>
+          <a:bodyPr wrap="square" rtlCol="0">
+            <a:spAutoFit/>
+          </a:bodyPr>
+          <a:lstStyle/>
+          <a:p>
+            <a:r>
+              <a:rPr lang="en-US" dirty="0" smtClean="0"/>
+              <a:t>Job cell button split will be  128 x 25</a:t>
+            </a:r>
+            <a:endParaRPr lang="en-US" dirty="0"/>
+          </a:p>
+        </p:txBody>
+      </p:sp>
+      <p:sp>
+        <p:nvSpPr>
+          <p:cNvPr id="38" name="TextBox 37"/>
+          <p:cNvSpPr txBox="1"/>
+          <p:nvPr/>
+        </p:nvSpPr>
+        <p:spPr>
+          <a:xfrm>
+            <a:off x="7353300" y="4076700"/>
+            <a:ext cx="2794000" cy="646331"/>
+          </a:xfrm>
+          <a:prstGeom prst="rect">
+            <a:avLst/>
+          </a:prstGeom>
+          <a:noFill/>
+        </p:spPr>
+        <p:txBody>
+          <a:bodyPr wrap="square" rtlCol="0">
+            <a:spAutoFit/>
+          </a:bodyPr>
+          <a:lstStyle/>
+          <a:p>
+            <a:r>
+              <a:rPr lang="en-US" dirty="0" smtClean="0">
+                <a:sym typeface="Wingdings"/>
+              </a:rPr>
+              <a:t></a:t>
+            </a:r>
+            <a:r>
+              <a:rPr lang="en-US" dirty="0" smtClean="0"/>
+              <a:t>Partial called :sidebar </a:t>
+            </a:r>
+            <a:r>
+              <a:rPr lang="en-US" dirty="0" err="1" smtClean="0"/>
+              <a:t>render_gallery.erb</a:t>
+            </a:r>
+            <a:endParaRPr lang="en-US" dirty="0"/>
+          </a:p>
+        </p:txBody>
+      </p:sp>
+      <p:sp>
+        <p:nvSpPr>
+          <p:cNvPr id="45" name="TextBox 44"/>
+          <p:cNvSpPr txBox="1"/>
+          <p:nvPr/>
+        </p:nvSpPr>
+        <p:spPr>
+          <a:xfrm>
+            <a:off x="-3737264" y="4660562"/>
+            <a:ext cx="4165600" cy="369332"/>
+          </a:xfrm>
+          <a:prstGeom prst="rect">
+            <a:avLst/>
+          </a:prstGeom>
+          <a:noFill/>
+        </p:spPr>
+        <p:txBody>
+          <a:bodyPr wrap="square" rtlCol="0">
+            <a:spAutoFit/>
+          </a:bodyPr>
+          <a:lstStyle/>
+          <a:p>
+            <a:r>
+              <a:rPr lang="en-US" dirty="0" smtClean="0"/>
+              <a:t>Partial called :jobs </a:t>
+            </a:r>
+            <a:r>
+              <a:rPr lang="en-US" dirty="0" err="1" smtClean="0"/>
+              <a:t>render_jobs.erb</a:t>
+            </a:r>
+            <a:r>
+              <a:rPr lang="en-US" dirty="0" smtClean="0"/>
+              <a:t> </a:t>
+            </a:r>
+            <a:r>
+              <a:rPr lang="en-US" dirty="0" smtClean="0">
+                <a:sym typeface="Wingdings"/>
+              </a:rPr>
+              <a:t></a:t>
+            </a:r>
+            <a:endParaRPr lang="en-US" dirty="0"/>
+          </a:p>
+        </p:txBody>
+      </p:sp>
+    </p:spTree>
+    <p:extLst>
+      <p:ext uri="{BB962C8B-B14F-4D97-AF65-F5344CB8AC3E}">
+        <p14:creationId xmlns:p14="http://schemas.microsoft.com/office/powerpoint/2010/main" val="3996701027"/>
       </p:ext>
     </p:extLst>
   </p:cSld>
